--- a/Session 11 - Introduction to the App-Owns-Data Starter Kit.pptx
+++ b/Session 11 - Introduction to the App-Owns-Data Starter Kit.pptx
@@ -504,7 +504,7 @@
           <a:p>
             <a:fld id="{DCE60099-03E7-4FA1-8A7F-E6E6CFB0F855}" type="datetime8">
               <a:rPr lang="en-US" smtClean="0"/>
-              <a:t>6/24/2021 11:01 AM</a:t>
+              <a:t>1/20/2022 10:54 AM</a:t>
             </a:fld>
             <a:endParaRPr lang="en-US"/>
           </a:p>
@@ -2629,6 +2629,63 @@
               <a:rPr lang="en-US" dirty="0"/>
               <a:t>Fifth level</a:t>
             </a:r>
+          </a:p>
+        </p:txBody>
+      </p:sp>
+      <p:sp>
+        <p:nvSpPr>
+          <p:cNvPr id="2" name="MSIPCMContentMarking" descr="{&quot;HashCode&quot;:231139426,&quot;Placement&quot;:&quot;Footer&quot;,&quot;Top&quot;:530.093,&quot;Left&quot;:0.0,&quot;SlideWidth&quot;:979,&quot;SlideHeight&quot;:550}">
+            <a:extLst>
+              <a:ext uri="{FF2B5EF4-FFF2-40B4-BE49-F238E27FC236}">
+                <a16:creationId xmlns:a16="http://schemas.microsoft.com/office/drawing/2014/main" id="{A6DD802D-AF38-4EA2-958A-D27FC4625295}"/>
+              </a:ext>
+            </a:extLst>
+          </p:cNvPr>
+          <p:cNvSpPr txBox="1"/>
+          <p:nvPr userDrawn="1"/>
+        </p:nvSpPr>
+        <p:spPr>
+          <a:xfrm>
+            <a:off x="0" y="6732181"/>
+            <a:ext cx="2123853" cy="262344"/>
+          </a:xfrm>
+          <a:prstGeom prst="rect">
+            <a:avLst/>
+          </a:prstGeom>
+          <a:noFill/>
+        </p:spPr>
+        <p:txBody>
+          <a:bodyPr vert="horz" wrap="square" lIns="0" tIns="0" rIns="0" bIns="0" rtlCol="0" anchor="ctr" anchorCtr="1">
+            <a:spAutoFit/>
+          </a:bodyPr>
+          <a:lstStyle/>
+          <a:p>
+            <a:pPr algn="l">
+              <a:lnSpc>
+                <a:spcPct val="90000"/>
+              </a:lnSpc>
+              <a:spcBef>
+                <a:spcPts val="0"/>
+              </a:spcBef>
+              <a:spcAft>
+                <a:spcPts val="0"/>
+              </a:spcAft>
+            </a:pPr>
+            <a:r>
+              <a:rPr lang="en-US" sz="1000">
+                <a:solidFill>
+                  <a:srgbClr val="000000"/>
+                </a:solidFill>
+                <a:latin typeface="Calibri" panose="020F0502020204030204" pitchFamily="34" charset="0"/>
+              </a:rPr>
+              <a:t>Classified as Microsoft Confidential</a:t>
+            </a:r>
+            <a:endParaRPr lang="en-US" sz="1000" dirty="0" err="1">
+              <a:solidFill>
+                <a:srgbClr val="000000"/>
+              </a:solidFill>
+              <a:latin typeface="Calibri" panose="020F0502020204030204" pitchFamily="34" charset="0"/>
+            </a:endParaRPr>
           </a:p>
         </p:txBody>
       </p:sp>
@@ -3729,7 +3786,7 @@
         <p:spPr/>
         <p:txBody>
           <a:bodyPr>
-            <a:normAutofit/>
+            <a:normAutofit fontScale="55000" lnSpcReduction="20000"/>
           </a:bodyPr>
           <a:lstStyle/>
           <a:p>
@@ -16046,7 +16103,7 @@
         <p:spPr>
           <a:xfrm>
             <a:off x="511277" y="1227439"/>
-            <a:ext cx="11604521" cy="2385268"/>
+            <a:ext cx="11604521" cy="2139047"/>
           </a:xfrm>
         </p:spPr>
         <p:txBody>
@@ -16054,11 +16111,11 @@
           <a:lstStyle/>
           <a:p>
             <a:r>
-              <a:rPr lang="en-US" dirty="0"/>
+              <a:rPr lang="en-US" sz="2000" dirty="0"/>
               <a:t>Use </a:t>
             </a:r>
             <a:r>
-              <a:rPr lang="en-US" b="1" dirty="0">
+              <a:rPr lang="en-US" sz="2000" b="1" dirty="0">
                 <a:solidFill>
                   <a:schemeClr val="accent2">
                     <a:lumMod val="50000"/>
@@ -16068,11 +16125,11 @@
               <a:t>AppOwnsDataAdmin</a:t>
             </a:r>
             <a:r>
-              <a:rPr lang="en-US" dirty="0"/>
+              <a:rPr lang="en-US" sz="2000" dirty="0"/>
               <a:t> to move </a:t>
             </a:r>
             <a:r>
-              <a:rPr lang="en-US" b="1" dirty="0">
+              <a:rPr lang="en-US" sz="2000" b="1" dirty="0">
                 <a:solidFill>
                   <a:schemeClr val="accent2">
                     <a:lumMod val="50000"/>
@@ -16082,7 +16139,7 @@
               <a:t>AppOwnsDataClient</a:t>
             </a:r>
             <a:r>
-              <a:rPr lang="en-US" dirty="0"/>
+              <a:rPr lang="en-US" sz="2000" dirty="0"/>
               <a:t> user through 4 possible states</a:t>
             </a:r>
           </a:p>
@@ -16092,11 +16149,11 @@
               <a:buAutoNum type="arabicPeriod"/>
             </a:pPr>
             <a:r>
-              <a:rPr lang="en-US" dirty="0"/>
+              <a:rPr lang="en-US" sz="1800" dirty="0"/>
               <a:t>Test </a:t>
             </a:r>
             <a:r>
-              <a:rPr lang="en-US" b="1" dirty="0">
+              <a:rPr lang="en-US" sz="1800" b="1" dirty="0">
                 <a:solidFill>
                   <a:schemeClr val="accent2">
                     <a:lumMod val="50000"/>
@@ -16106,11 +16163,11 @@
               <a:t>AppOwnsDataClient</a:t>
             </a:r>
             <a:r>
-              <a:rPr lang="en-US" dirty="0"/>
+              <a:rPr lang="en-US" sz="1800" dirty="0"/>
               <a:t> when user is </a:t>
             </a:r>
             <a:r>
-              <a:rPr lang="en-US" b="1" dirty="0">
+              <a:rPr lang="en-US" sz="1800" b="1" dirty="0">
                 <a:solidFill>
                   <a:schemeClr val="accent2">
                     <a:lumMod val="50000"/>
@@ -16126,11 +16183,11 @@
               <a:buAutoNum type="arabicPeriod"/>
             </a:pPr>
             <a:r>
-              <a:rPr lang="en-US" dirty="0"/>
+              <a:rPr lang="en-US" sz="1800" dirty="0"/>
               <a:t>Test </a:t>
             </a:r>
             <a:r>
-              <a:rPr lang="en-US" b="1" dirty="0">
+              <a:rPr lang="en-US" sz="1800" b="1" dirty="0">
                 <a:solidFill>
                   <a:schemeClr val="accent2">
                     <a:lumMod val="50000"/>
@@ -16140,11 +16197,11 @@
               <a:t>AppOwnsDataClient</a:t>
             </a:r>
             <a:r>
-              <a:rPr lang="en-US" dirty="0"/>
+              <a:rPr lang="en-US" sz="1800" dirty="0"/>
               <a:t> when user is assigned to tenant with </a:t>
             </a:r>
             <a:r>
-              <a:rPr lang="en-US" b="1" dirty="0">
+              <a:rPr lang="en-US" sz="1800" b="1" dirty="0">
                 <a:solidFill>
                   <a:schemeClr val="accent2">
                     <a:lumMod val="50000"/>
@@ -16160,11 +16217,11 @@
               <a:buAutoNum type="arabicPeriod"/>
             </a:pPr>
             <a:r>
-              <a:rPr lang="en-US" dirty="0"/>
+              <a:rPr lang="en-US" sz="1800" dirty="0"/>
               <a:t>Test </a:t>
             </a:r>
             <a:r>
-              <a:rPr lang="en-US" b="1" dirty="0">
+              <a:rPr lang="en-US" sz="1800" b="1" dirty="0">
                 <a:solidFill>
                   <a:schemeClr val="accent2">
                     <a:lumMod val="50000"/>
@@ -16174,11 +16231,11 @@
               <a:t>AppOwnsDataClient</a:t>
             </a:r>
             <a:r>
-              <a:rPr lang="en-US" dirty="0"/>
+              <a:rPr lang="en-US" sz="1800" dirty="0"/>
               <a:t> when user is assigned to tenant with </a:t>
             </a:r>
             <a:r>
-              <a:rPr lang="en-US" b="1" dirty="0">
+              <a:rPr lang="en-US" sz="1800" b="1" dirty="0">
                 <a:solidFill>
                   <a:schemeClr val="accent2">
                     <a:lumMod val="50000"/>
@@ -16194,11 +16251,11 @@
               <a:buAutoNum type="arabicPeriod"/>
             </a:pPr>
             <a:r>
-              <a:rPr lang="en-US" dirty="0"/>
+              <a:rPr lang="en-US" sz="1800" dirty="0"/>
               <a:t>Test </a:t>
             </a:r>
             <a:r>
-              <a:rPr lang="en-US" b="1" dirty="0">
+              <a:rPr lang="en-US" sz="1800" b="1" dirty="0">
                 <a:solidFill>
                   <a:schemeClr val="accent2">
                     <a:lumMod val="50000"/>
@@ -16208,11 +16265,11 @@
               <a:t>AppOwnsDataClient</a:t>
             </a:r>
             <a:r>
-              <a:rPr lang="en-US" dirty="0"/>
+              <a:rPr lang="en-US" sz="1800" dirty="0"/>
               <a:t> when user is assigned to tenant with </a:t>
             </a:r>
             <a:r>
-              <a:rPr lang="en-US" b="1" dirty="0">
+              <a:rPr lang="en-US" sz="1800" b="1" dirty="0">
                 <a:solidFill>
                   <a:schemeClr val="accent2">
                     <a:lumMod val="50000"/>
@@ -16224,7 +16281,7 @@
           </a:p>
           <a:p>
             <a:pPr lvl="1"/>
-            <a:endParaRPr lang="en-US" dirty="0"/>
+            <a:endParaRPr lang="en-US" sz="1800" dirty="0"/>
           </a:p>
         </p:txBody>
       </p:sp>
@@ -24806,21 +24863,12 @@
 </file>
 
 <file path=customXml/item1.xml><?xml version="1.0" encoding="utf-8"?>
-<?mso-contentType ?>
-<FormTemplates xmlns="http://schemas.microsoft.com/sharepoint/v3/contenttype/forms">
-  <Display>DocumentLibraryForm</Display>
-  <Edit>DocumentLibraryForm</Edit>
-  <New>DocumentLibraryForm</New>
-</FormTemplates>
-</file>
-
-<file path=customXml/item2.xml><?xml version="1.0" encoding="utf-8"?>
 <p:properties xmlns:p="http://schemas.microsoft.com/office/2006/metadata/properties" xmlns:xsi="http://www.w3.org/2001/XMLSchema-instance" xmlns:pc="http://schemas.microsoft.com/office/infopath/2007/PartnerControls">
   <documentManagement/>
 </p:properties>
 </file>
 
-<file path=customXml/item3.xml><?xml version="1.0" encoding="utf-8"?>
+<file path=customXml/item2.xml><?xml version="1.0" encoding="utf-8"?>
 <ct:contentTypeSchema xmlns:ct="http://schemas.microsoft.com/office/2006/metadata/contentType" xmlns:ma="http://schemas.microsoft.com/office/2006/metadata/properties/metaAttributes" ct:_="" ma:_="" ma:contentTypeName="Document" ma:contentTypeID="0x0101000937CBA2829AB54C847AA138BDB6DD62" ma:contentTypeVersion="6" ma:contentTypeDescription="Create a new document." ma:contentTypeScope="" ma:versionID="0f7e39fa3406a6f330081ac46f53a9d2">
   <xsd:schema xmlns:xsd="http://www.w3.org/2001/XMLSchema" xmlns:xs="http://www.w3.org/2001/XMLSchema" xmlns:p="http://schemas.microsoft.com/office/2006/metadata/properties" xmlns:ns2="ef38329b-e139-4eb4-9d7a-1b84c79a6610" targetNamespace="http://schemas.microsoft.com/office/2006/metadata/properties" ma:root="true" ma:fieldsID="c5e10262f8d934c139771ac03f38712c" ns2:_="">
     <xsd:import namespace="ef38329b-e139-4eb4-9d7a-1b84c79a6610"/>
@@ -24972,15 +25020,16 @@
 </ct:contentTypeSchema>
 </file>
 
-<file path=customXml/itemProps1.xml><?xml version="1.0" encoding="utf-8"?>
-<ds:datastoreItem xmlns:ds="http://schemas.openxmlformats.org/officeDocument/2006/customXml" ds:itemID="{758FDAC0-319D-4A54-8D8E-1D42CB1F8004}">
-  <ds:schemaRefs>
-    <ds:schemaRef ds:uri="http://schemas.microsoft.com/sharepoint/v3/contenttype/forms"/>
-  </ds:schemaRefs>
-</ds:datastoreItem>
+<file path=customXml/item3.xml><?xml version="1.0" encoding="utf-8"?>
+<?mso-contentType ?>
+<FormTemplates xmlns="http://schemas.microsoft.com/sharepoint/v3/contenttype/forms">
+  <Display>DocumentLibraryForm</Display>
+  <Edit>DocumentLibraryForm</Edit>
+  <New>DocumentLibraryForm</New>
+</FormTemplates>
 </file>
 
-<file path=customXml/itemProps2.xml><?xml version="1.0" encoding="utf-8"?>
+<file path=customXml/itemProps1.xml><?xml version="1.0" encoding="utf-8"?>
 <ds:datastoreItem xmlns:ds="http://schemas.openxmlformats.org/officeDocument/2006/customXml" ds:itemID="{F990F116-B58F-4255-B05B-DA3808E0E5C6}">
   <ds:schemaRefs>
     <ds:schemaRef ds:uri="http://schemas.openxmlformats.org/package/2006/metadata/core-properties"/>
@@ -24996,7 +25045,7 @@
 </ds:datastoreItem>
 </file>
 
-<file path=customXml/itemProps3.xml><?xml version="1.0" encoding="utf-8"?>
+<file path=customXml/itemProps2.xml><?xml version="1.0" encoding="utf-8"?>
 <ds:datastoreItem xmlns:ds="http://schemas.openxmlformats.org/officeDocument/2006/customXml" ds:itemID="{A4052A8C-2220-4E4B-95E2-C05C9863F10E}">
   <ds:schemaRefs>
     <ds:schemaRef ds:uri="ef38329b-e139-4eb4-9d7a-1b84c79a6610"/>
@@ -25014,6 +25063,14 @@
 </ds:datastoreItem>
 </file>
 
+<file path=customXml/itemProps3.xml><?xml version="1.0" encoding="utf-8"?>
+<ds:datastoreItem xmlns:ds="http://schemas.openxmlformats.org/officeDocument/2006/customXml" ds:itemID="{758FDAC0-319D-4A54-8D8E-1D42CB1F8004}">
+  <ds:schemaRefs>
+    <ds:schemaRef ds:uri="http://schemas.microsoft.com/sharepoint/v3/contenttype/forms"/>
+  </ds:schemaRefs>
+</ds:datastoreItem>
+</file>
+
 <file path=docMetadata/LabelInfo.xml><?xml version="1.0" encoding="utf-8"?>
 <clbl:labelList xmlns:clbl="http://schemas.microsoft.com/office/2020/mipLabelMetadata">
   <clbl:label id="{074e257c-5848-4582-9a6f-34a182080e71}" enabled="1" method="Privileged" siteId="{72f988bf-86f1-41af-91ab-2d7cd011db47}" removed="0"/>

--- a/Session 11 - Introduction to the App-Owns-Data Starter Kit.pptx
+++ b/Session 11 - Introduction to the App-Owns-Data Starter Kit.pptx
@@ -504,7 +504,7 @@
           <a:p>
             <a:fld id="{DCE60099-03E7-4FA1-8A7F-E6E6CFB0F855}" type="datetime8">
               <a:rPr lang="en-US" smtClean="0"/>
-              <a:t>1/20/2022 10:54 AM</a:t>
+              <a:t>2/17/2022 9:58 AM</a:t>
             </a:fld>
             <a:endParaRPr lang="en-US"/>
           </a:p>
@@ -2629,63 +2629,6 @@
               <a:rPr lang="en-US" dirty="0"/>
               <a:t>Fifth level</a:t>
             </a:r>
-          </a:p>
-        </p:txBody>
-      </p:sp>
-      <p:sp>
-        <p:nvSpPr>
-          <p:cNvPr id="2" name="MSIPCMContentMarking" descr="{&quot;HashCode&quot;:231139426,&quot;Placement&quot;:&quot;Footer&quot;,&quot;Top&quot;:530.093,&quot;Left&quot;:0.0,&quot;SlideWidth&quot;:979,&quot;SlideHeight&quot;:550}">
-            <a:extLst>
-              <a:ext uri="{FF2B5EF4-FFF2-40B4-BE49-F238E27FC236}">
-                <a16:creationId xmlns:a16="http://schemas.microsoft.com/office/drawing/2014/main" id="{A6DD802D-AF38-4EA2-958A-D27FC4625295}"/>
-              </a:ext>
-            </a:extLst>
-          </p:cNvPr>
-          <p:cNvSpPr txBox="1"/>
-          <p:nvPr userDrawn="1"/>
-        </p:nvSpPr>
-        <p:spPr>
-          <a:xfrm>
-            <a:off x="0" y="6732181"/>
-            <a:ext cx="2123853" cy="262344"/>
-          </a:xfrm>
-          <a:prstGeom prst="rect">
-            <a:avLst/>
-          </a:prstGeom>
-          <a:noFill/>
-        </p:spPr>
-        <p:txBody>
-          <a:bodyPr vert="horz" wrap="square" lIns="0" tIns="0" rIns="0" bIns="0" rtlCol="0" anchor="ctr" anchorCtr="1">
-            <a:spAutoFit/>
-          </a:bodyPr>
-          <a:lstStyle/>
-          <a:p>
-            <a:pPr algn="l">
-              <a:lnSpc>
-                <a:spcPct val="90000"/>
-              </a:lnSpc>
-              <a:spcBef>
-                <a:spcPts val="0"/>
-              </a:spcBef>
-              <a:spcAft>
-                <a:spcPts val="0"/>
-              </a:spcAft>
-            </a:pPr>
-            <a:r>
-              <a:rPr lang="en-US" sz="1000">
-                <a:solidFill>
-                  <a:srgbClr val="000000"/>
-                </a:solidFill>
-                <a:latin typeface="Calibri" panose="020F0502020204030204" pitchFamily="34" charset="0"/>
-              </a:rPr>
-              <a:t>Classified as Microsoft Confidential</a:t>
-            </a:r>
-            <a:endParaRPr lang="en-US" sz="1000" dirty="0" err="1">
-              <a:solidFill>
-                <a:srgbClr val="000000"/>
-              </a:solidFill>
-              <a:latin typeface="Calibri" panose="020F0502020204030204" pitchFamily="34" charset="0"/>
-            </a:endParaRPr>
           </a:p>
         </p:txBody>
       </p:sp>
@@ -3785,9 +3728,7 @@
         </p:nvSpPr>
         <p:spPr/>
         <p:txBody>
-          <a:bodyPr>
-            <a:normAutofit fontScale="55000" lnSpcReduction="20000"/>
-          </a:bodyPr>
+          <a:bodyPr/>
           <a:lstStyle/>
           <a:p>
             <a:r>
@@ -3799,114 +3740,42 @@
             <a:pPr lvl="1"/>
             <a:r>
               <a:rPr lang="en-US" dirty="0"/>
-              <a:t>Onboarding new </a:t>
-            </a:r>
-            <a:r>
-              <a:rPr lang="en-US" b="1" dirty="0">
-                <a:solidFill>
-                  <a:schemeClr val="accent2">
-                    <a:lumMod val="50000"/>
-                  </a:schemeClr>
-                </a:solidFill>
-              </a:rPr>
-              <a:t>customer tenants</a:t>
+              <a:t>Onboarding new customer tenants</a:t>
             </a:r>
           </a:p>
           <a:p>
             <a:pPr lvl="1"/>
             <a:r>
               <a:rPr lang="en-US" dirty="0"/>
-              <a:t>Managing </a:t>
-            </a:r>
-            <a:r>
-              <a:rPr lang="en-US" b="1" dirty="0">
-                <a:solidFill>
-                  <a:schemeClr val="accent2">
-                    <a:lumMod val="50000"/>
-                  </a:schemeClr>
-                </a:solidFill>
-              </a:rPr>
-              <a:t>user permissions</a:t>
+              <a:t>Managing user permissions</a:t>
             </a:r>
           </a:p>
           <a:p>
             <a:pPr lvl="1"/>
             <a:r>
               <a:rPr lang="en-US" dirty="0"/>
-              <a:t>Implementing customer-facing client as </a:t>
-            </a:r>
-            <a:r>
-              <a:rPr lang="en-US" b="1" dirty="0">
-                <a:solidFill>
-                  <a:schemeClr val="accent2">
-                    <a:lumMod val="50000"/>
-                  </a:schemeClr>
-                </a:solidFill>
-              </a:rPr>
-              <a:t>Single Page Application (SPA)</a:t>
+              <a:t>Implementing customer-facing client as Single Page Application (SPA)</a:t>
             </a:r>
           </a:p>
           <a:p>
             <a:pPr lvl="1"/>
             <a:r>
               <a:rPr lang="en-US" dirty="0"/>
-              <a:t>Creating </a:t>
-            </a:r>
-            <a:r>
-              <a:rPr lang="en-US" b="1" dirty="0">
-                <a:solidFill>
-                  <a:schemeClr val="accent2">
-                    <a:lumMod val="50000"/>
-                  </a:schemeClr>
-                </a:solidFill>
-              </a:rPr>
-              <a:t>custom telemetry layer</a:t>
-            </a:r>
-            <a:r>
-              <a:rPr lang="en-US" dirty="0"/>
-              <a:t> to log user activity </a:t>
+              <a:t>Creating custom telemetry layer to log user activity </a:t>
             </a:r>
           </a:p>
           <a:p>
             <a:pPr lvl="1"/>
             <a:r>
               <a:rPr lang="en-US" dirty="0"/>
-              <a:t>Monitoring</a:t>
-            </a:r>
-            <a:r>
-              <a:rPr lang="en-US" b="1" dirty="0">
-                <a:solidFill>
-                  <a:schemeClr val="accent2">
-                    <a:lumMod val="50000"/>
-                  </a:schemeClr>
-                </a:solidFill>
-              </a:rPr>
-              <a:t> user actions</a:t>
-            </a:r>
-            <a:r>
-              <a:rPr lang="en-US" dirty="0"/>
-              <a:t> such as viewing, editing, and creating reports</a:t>
+              <a:t>Monitoring user actions such as viewing, editing, and creating reports</a:t>
             </a:r>
           </a:p>
           <a:p>
             <a:pPr lvl="1"/>
             <a:r>
               <a:rPr lang="en-US" dirty="0"/>
-              <a:t>Monitoring</a:t>
-            </a:r>
-            <a:r>
-              <a:rPr lang="en-US" b="1" dirty="0">
-                <a:solidFill>
-                  <a:schemeClr val="accent2">
-                    <a:lumMod val="50000"/>
-                  </a:schemeClr>
-                </a:solidFill>
-              </a:rPr>
-              <a:t> report performance</a:t>
-            </a:r>
-            <a:r>
-              <a:rPr lang="en-US" dirty="0"/>
-              <a:t> across all customer tenants</a:t>
+              <a:t>Monitoring report performance across all customer tenants</a:t>
             </a:r>
           </a:p>
           <a:p>
@@ -24863,12 +24732,6 @@
 </file>
 
 <file path=customXml/item1.xml><?xml version="1.0" encoding="utf-8"?>
-<p:properties xmlns:p="http://schemas.microsoft.com/office/2006/metadata/properties" xmlns:xsi="http://www.w3.org/2001/XMLSchema-instance" xmlns:pc="http://schemas.microsoft.com/office/infopath/2007/PartnerControls">
-  <documentManagement/>
-</p:properties>
-</file>
-
-<file path=customXml/item2.xml><?xml version="1.0" encoding="utf-8"?>
 <ct:contentTypeSchema xmlns:ct="http://schemas.microsoft.com/office/2006/metadata/contentType" xmlns:ma="http://schemas.microsoft.com/office/2006/metadata/properties/metaAttributes" ct:_="" ma:_="" ma:contentTypeName="Document" ma:contentTypeID="0x0101000937CBA2829AB54C847AA138BDB6DD62" ma:contentTypeVersion="6" ma:contentTypeDescription="Create a new document." ma:contentTypeScope="" ma:versionID="0f7e39fa3406a6f330081ac46f53a9d2">
   <xsd:schema xmlns:xsd="http://www.w3.org/2001/XMLSchema" xmlns:xs="http://www.w3.org/2001/XMLSchema" xmlns:p="http://schemas.microsoft.com/office/2006/metadata/properties" xmlns:ns2="ef38329b-e139-4eb4-9d7a-1b84c79a6610" targetNamespace="http://schemas.microsoft.com/office/2006/metadata/properties" ma:root="true" ma:fieldsID="c5e10262f8d934c139771ac03f38712c" ns2:_="">
     <xsd:import namespace="ef38329b-e139-4eb4-9d7a-1b84c79a6610"/>
@@ -25020,7 +24883,7 @@
 </ct:contentTypeSchema>
 </file>
 
-<file path=customXml/item3.xml><?xml version="1.0" encoding="utf-8"?>
+<file path=customXml/item2.xml><?xml version="1.0" encoding="utf-8"?>
 <?mso-contentType ?>
 <FormTemplates xmlns="http://schemas.microsoft.com/sharepoint/v3/contenttype/forms">
   <Display>DocumentLibraryForm</Display>
@@ -25029,23 +24892,13 @@
 </FormTemplates>
 </file>
 
-<file path=customXml/itemProps1.xml><?xml version="1.0" encoding="utf-8"?>
-<ds:datastoreItem xmlns:ds="http://schemas.openxmlformats.org/officeDocument/2006/customXml" ds:itemID="{F990F116-B58F-4255-B05B-DA3808E0E5C6}">
-  <ds:schemaRefs>
-    <ds:schemaRef ds:uri="http://schemas.openxmlformats.org/package/2006/metadata/core-properties"/>
-    <ds:schemaRef ds:uri="http://schemas.microsoft.com/office/infopath/2007/PartnerControls"/>
-    <ds:schemaRef ds:uri="http://purl.org/dc/dcmitype/"/>
-    <ds:schemaRef ds:uri="http://schemas.microsoft.com/office/2006/documentManagement/types"/>
-    <ds:schemaRef ds:uri="http://www.w3.org/XML/1998/namespace"/>
-    <ds:schemaRef ds:uri="http://schemas.microsoft.com/office/2006/metadata/properties"/>
-    <ds:schemaRef ds:uri="http://purl.org/dc/terms/"/>
-    <ds:schemaRef ds:uri="http://purl.org/dc/elements/1.1/"/>
-    <ds:schemaRef ds:uri="ef38329b-e139-4eb4-9d7a-1b84c79a6610"/>
-  </ds:schemaRefs>
-</ds:datastoreItem>
+<file path=customXml/item3.xml><?xml version="1.0" encoding="utf-8"?>
+<p:properties xmlns:p="http://schemas.microsoft.com/office/2006/metadata/properties" xmlns:xsi="http://www.w3.org/2001/XMLSchema-instance" xmlns:pc="http://schemas.microsoft.com/office/infopath/2007/PartnerControls">
+  <documentManagement/>
+</p:properties>
 </file>
 
-<file path=customXml/itemProps2.xml><?xml version="1.0" encoding="utf-8"?>
+<file path=customXml/itemProps1.xml><?xml version="1.0" encoding="utf-8"?>
 <ds:datastoreItem xmlns:ds="http://schemas.openxmlformats.org/officeDocument/2006/customXml" ds:itemID="{A4052A8C-2220-4E4B-95E2-C05C9863F10E}">
   <ds:schemaRefs>
     <ds:schemaRef ds:uri="ef38329b-e139-4eb4-9d7a-1b84c79a6610"/>
@@ -25063,7 +24916,7 @@
 </ds:datastoreItem>
 </file>
 
-<file path=customXml/itemProps3.xml><?xml version="1.0" encoding="utf-8"?>
+<file path=customXml/itemProps2.xml><?xml version="1.0" encoding="utf-8"?>
 <ds:datastoreItem xmlns:ds="http://schemas.openxmlformats.org/officeDocument/2006/customXml" ds:itemID="{758FDAC0-319D-4A54-8D8E-1D42CB1F8004}">
   <ds:schemaRefs>
     <ds:schemaRef ds:uri="http://schemas.microsoft.com/sharepoint/v3/contenttype/forms"/>
@@ -25071,9 +24924,25 @@
 </ds:datastoreItem>
 </file>
 
+<file path=customXml/itemProps3.xml><?xml version="1.0" encoding="utf-8"?>
+<ds:datastoreItem xmlns:ds="http://schemas.openxmlformats.org/officeDocument/2006/customXml" ds:itemID="{F990F116-B58F-4255-B05B-DA3808E0E5C6}">
+  <ds:schemaRefs>
+    <ds:schemaRef ds:uri="http://schemas.openxmlformats.org/package/2006/metadata/core-properties"/>
+    <ds:schemaRef ds:uri="http://schemas.microsoft.com/office/infopath/2007/PartnerControls"/>
+    <ds:schemaRef ds:uri="http://purl.org/dc/dcmitype/"/>
+    <ds:schemaRef ds:uri="http://schemas.microsoft.com/office/2006/documentManagement/types"/>
+    <ds:schemaRef ds:uri="http://www.w3.org/XML/1998/namespace"/>
+    <ds:schemaRef ds:uri="http://schemas.microsoft.com/office/2006/metadata/properties"/>
+    <ds:schemaRef ds:uri="http://purl.org/dc/terms/"/>
+    <ds:schemaRef ds:uri="http://purl.org/dc/elements/1.1/"/>
+    <ds:schemaRef ds:uri="ef38329b-e139-4eb4-9d7a-1b84c79a6610"/>
+  </ds:schemaRefs>
+</ds:datastoreItem>
+</file>
+
 <file path=docMetadata/LabelInfo.xml><?xml version="1.0" encoding="utf-8"?>
 <clbl:labelList xmlns:clbl="http://schemas.microsoft.com/office/2020/mipLabelMetadata">
-  <clbl:label id="{074e257c-5848-4582-9a6f-34a182080e71}" enabled="1" method="Privileged" siteId="{72f988bf-86f1-41af-91ab-2d7cd011db47}" removed="0"/>
   <clbl:label id="{1a19d03a-48bc-4359-8038-5b5f6d5847c3}" enabled="1" method="Privileged" siteId="{72f988bf-86f1-41af-91ab-2d7cd011db47}" removed="0"/>
+  <clbl:label id="{87867195-f2b8-4ac2-b0b6-6bb73cb33afc}" enabled="1" method="Privileged" siteId="{72f988bf-86f1-41af-91ab-2d7cd011db47}" contentBits="0" removed="0"/>
 </clbl:labelList>
 </file>
--- a/Session 11 - Introduction to the App-Owns-Data Starter Kit.pptx
+++ b/Session 11 - Introduction to the App-Owns-Data Starter Kit.pptx
@@ -504,7 +504,7 @@
           <a:p>
             <a:fld id="{DCE60099-03E7-4FA1-8A7F-E6E6CFB0F855}" type="datetime8">
               <a:rPr lang="en-US" smtClean="0"/>
-              <a:t>2/17/2022 9:58 AM</a:t>
+              <a:t>4/26/2022 7:34 PM</a:t>
             </a:fld>
             <a:endParaRPr lang="en-US"/>
           </a:p>
@@ -24732,6 +24732,21 @@
 </file>
 
 <file path=customXml/item1.xml><?xml version="1.0" encoding="utf-8"?>
+<?mso-contentType ?>
+<FormTemplates xmlns="http://schemas.microsoft.com/sharepoint/v3/contenttype/forms">
+  <Display>DocumentLibraryForm</Display>
+  <Edit>DocumentLibraryForm</Edit>
+  <New>DocumentLibraryForm</New>
+</FormTemplates>
+</file>
+
+<file path=customXml/item2.xml><?xml version="1.0" encoding="utf-8"?>
+<p:properties xmlns:p="http://schemas.microsoft.com/office/2006/metadata/properties" xmlns:xsi="http://www.w3.org/2001/XMLSchema-instance" xmlns:pc="http://schemas.microsoft.com/office/infopath/2007/PartnerControls">
+  <documentManagement/>
+</p:properties>
+</file>
+
+<file path=customXml/item3.xml><?xml version="1.0" encoding="utf-8"?>
 <ct:contentTypeSchema xmlns:ct="http://schemas.microsoft.com/office/2006/metadata/contentType" xmlns:ma="http://schemas.microsoft.com/office/2006/metadata/properties/metaAttributes" ct:_="" ma:_="" ma:contentTypeName="Document" ma:contentTypeID="0x0101000937CBA2829AB54C847AA138BDB6DD62" ma:contentTypeVersion="6" ma:contentTypeDescription="Create a new document." ma:contentTypeScope="" ma:versionID="0f7e39fa3406a6f330081ac46f53a9d2">
   <xsd:schema xmlns:xsd="http://www.w3.org/2001/XMLSchema" xmlns:xs="http://www.w3.org/2001/XMLSchema" xmlns:p="http://schemas.microsoft.com/office/2006/metadata/properties" xmlns:ns2="ef38329b-e139-4eb4-9d7a-1b84c79a6610" targetNamespace="http://schemas.microsoft.com/office/2006/metadata/properties" ma:root="true" ma:fieldsID="c5e10262f8d934c139771ac03f38712c" ns2:_="">
     <xsd:import namespace="ef38329b-e139-4eb4-9d7a-1b84c79a6610"/>
@@ -24883,22 +24898,31 @@
 </ct:contentTypeSchema>
 </file>
 
-<file path=customXml/item2.xml><?xml version="1.0" encoding="utf-8"?>
-<?mso-contentType ?>
-<FormTemplates xmlns="http://schemas.microsoft.com/sharepoint/v3/contenttype/forms">
-  <Display>DocumentLibraryForm</Display>
-  <Edit>DocumentLibraryForm</Edit>
-  <New>DocumentLibraryForm</New>
-</FormTemplates>
+<file path=customXml/itemProps1.xml><?xml version="1.0" encoding="utf-8"?>
+<ds:datastoreItem xmlns:ds="http://schemas.openxmlformats.org/officeDocument/2006/customXml" ds:itemID="{758FDAC0-319D-4A54-8D8E-1D42CB1F8004}">
+  <ds:schemaRefs>
+    <ds:schemaRef ds:uri="http://schemas.microsoft.com/sharepoint/v3/contenttype/forms"/>
+  </ds:schemaRefs>
+</ds:datastoreItem>
 </file>
 
-<file path=customXml/item3.xml><?xml version="1.0" encoding="utf-8"?>
-<p:properties xmlns:p="http://schemas.microsoft.com/office/2006/metadata/properties" xmlns:xsi="http://www.w3.org/2001/XMLSchema-instance" xmlns:pc="http://schemas.microsoft.com/office/infopath/2007/PartnerControls">
-  <documentManagement/>
-</p:properties>
+<file path=customXml/itemProps2.xml><?xml version="1.0" encoding="utf-8"?>
+<ds:datastoreItem xmlns:ds="http://schemas.openxmlformats.org/officeDocument/2006/customXml" ds:itemID="{F990F116-B58F-4255-B05B-DA3808E0E5C6}">
+  <ds:schemaRefs>
+    <ds:schemaRef ds:uri="http://schemas.openxmlformats.org/package/2006/metadata/core-properties"/>
+    <ds:schemaRef ds:uri="http://schemas.microsoft.com/office/infopath/2007/PartnerControls"/>
+    <ds:schemaRef ds:uri="http://purl.org/dc/dcmitype/"/>
+    <ds:schemaRef ds:uri="http://schemas.microsoft.com/office/2006/documentManagement/types"/>
+    <ds:schemaRef ds:uri="http://www.w3.org/XML/1998/namespace"/>
+    <ds:schemaRef ds:uri="http://schemas.microsoft.com/office/2006/metadata/properties"/>
+    <ds:schemaRef ds:uri="http://purl.org/dc/terms/"/>
+    <ds:schemaRef ds:uri="http://purl.org/dc/elements/1.1/"/>
+    <ds:schemaRef ds:uri="ef38329b-e139-4eb4-9d7a-1b84c79a6610"/>
+  </ds:schemaRefs>
+</ds:datastoreItem>
 </file>
 
-<file path=customXml/itemProps1.xml><?xml version="1.0" encoding="utf-8"?>
+<file path=customXml/itemProps3.xml><?xml version="1.0" encoding="utf-8"?>
 <ds:datastoreItem xmlns:ds="http://schemas.openxmlformats.org/officeDocument/2006/customXml" ds:itemID="{A4052A8C-2220-4E4B-95E2-C05C9863F10E}">
   <ds:schemaRefs>
     <ds:schemaRef ds:uri="ef38329b-e139-4eb4-9d7a-1b84c79a6610"/>
@@ -24916,30 +24940,6 @@
 </ds:datastoreItem>
 </file>
 
-<file path=customXml/itemProps2.xml><?xml version="1.0" encoding="utf-8"?>
-<ds:datastoreItem xmlns:ds="http://schemas.openxmlformats.org/officeDocument/2006/customXml" ds:itemID="{758FDAC0-319D-4A54-8D8E-1D42CB1F8004}">
-  <ds:schemaRefs>
-    <ds:schemaRef ds:uri="http://schemas.microsoft.com/sharepoint/v3/contenttype/forms"/>
-  </ds:schemaRefs>
-</ds:datastoreItem>
-</file>
-
-<file path=customXml/itemProps3.xml><?xml version="1.0" encoding="utf-8"?>
-<ds:datastoreItem xmlns:ds="http://schemas.openxmlformats.org/officeDocument/2006/customXml" ds:itemID="{F990F116-B58F-4255-B05B-DA3808E0E5C6}">
-  <ds:schemaRefs>
-    <ds:schemaRef ds:uri="http://schemas.openxmlformats.org/package/2006/metadata/core-properties"/>
-    <ds:schemaRef ds:uri="http://schemas.microsoft.com/office/infopath/2007/PartnerControls"/>
-    <ds:schemaRef ds:uri="http://purl.org/dc/dcmitype/"/>
-    <ds:schemaRef ds:uri="http://schemas.microsoft.com/office/2006/documentManagement/types"/>
-    <ds:schemaRef ds:uri="http://www.w3.org/XML/1998/namespace"/>
-    <ds:schemaRef ds:uri="http://schemas.microsoft.com/office/2006/metadata/properties"/>
-    <ds:schemaRef ds:uri="http://purl.org/dc/terms/"/>
-    <ds:schemaRef ds:uri="http://purl.org/dc/elements/1.1/"/>
-    <ds:schemaRef ds:uri="ef38329b-e139-4eb4-9d7a-1b84c79a6610"/>
-  </ds:schemaRefs>
-</ds:datastoreItem>
-</file>
-
 <file path=docMetadata/LabelInfo.xml><?xml version="1.0" encoding="utf-8"?>
 <clbl:labelList xmlns:clbl="http://schemas.microsoft.com/office/2020/mipLabelMetadata">
   <clbl:label id="{1a19d03a-48bc-4359-8038-5b5f6d5847c3}" enabled="1" method="Privileged" siteId="{72f988bf-86f1-41af-91ab-2d7cd011db47}" removed="0"/>

--- a/Session 11 - Introduction to the App-Owns-Data Starter Kit.pptx
+++ b/Session 11 - Introduction to the App-Owns-Data Starter Kit.pptx
@@ -504,7 +504,7 @@
           <a:p>
             <a:fld id="{DCE60099-03E7-4FA1-8A7F-E6E6CFB0F855}" type="datetime8">
               <a:rPr lang="en-US" smtClean="0"/>
-              <a:t>4/26/2022 7:34 PM</a:t>
+              <a:t>6/28/2022 12:02 PM</a:t>
             </a:fld>
             <a:endParaRPr lang="en-US"/>
           </a:p>
@@ -18807,7 +18807,7 @@
         <p:spPr>
           <a:xfrm>
             <a:off x="511277" y="1227439"/>
-            <a:ext cx="11604521" cy="1231106"/>
+            <a:ext cx="11604521" cy="1015663"/>
           </a:xfrm>
         </p:spPr>
         <p:txBody>
@@ -18815,11 +18815,11 @@
           <a:lstStyle/>
           <a:p>
             <a:r>
-              <a:rPr lang="en-US" dirty="0"/>
+              <a:rPr lang="en-US" sz="2000" dirty="0"/>
               <a:t>App-Owns-Data Starter Kit includes report template </a:t>
             </a:r>
             <a:r>
-              <a:rPr lang="en-US" b="1" dirty="0">
+              <a:rPr lang="en-US" sz="2000" b="1" dirty="0">
                 <a:solidFill>
                   <a:schemeClr val="accent2">
                     <a:lumMod val="50000"/>
@@ -18832,7 +18832,7 @@
           <a:p>
             <a:pPr lvl="1"/>
             <a:r>
-              <a:rPr lang="en-US" b="1" dirty="0">
+              <a:rPr lang="en-US" sz="1800" b="1" dirty="0">
                 <a:solidFill>
                   <a:schemeClr val="accent2">
                     <a:lumMod val="50000"/>
@@ -18842,15 +18842,15 @@
               <a:t>AppOwsDataUsageReporting.pbix</a:t>
             </a:r>
             <a:r>
-              <a:rPr lang="en-US" b="1" dirty="0"/>
+              <a:rPr lang="en-US" sz="1800" b="1" dirty="0"/>
               <a:t> </a:t>
             </a:r>
             <a:r>
-              <a:rPr lang="en-US" dirty="0"/>
+              <a:rPr lang="en-US" sz="1800" dirty="0"/>
               <a:t>imports data from </a:t>
             </a:r>
             <a:r>
-              <a:rPr lang="en-US" b="1" dirty="0">
+              <a:rPr lang="en-US" sz="1800" b="1" dirty="0">
                 <a:solidFill>
                   <a:schemeClr val="accent2">
                     <a:lumMod val="50000"/>
@@ -18863,7 +18863,7 @@
           <a:p>
             <a:pPr lvl="1"/>
             <a:r>
-              <a:rPr lang="en-US" dirty="0"/>
+              <a:rPr lang="en-US" sz="1800" dirty="0"/>
               <a:t>Allows for monitoring and analysis of usage data</a:t>
             </a:r>
           </a:p>
@@ -18896,7 +18896,7 @@
         </p:blipFill>
         <p:spPr bwMode="auto">
           <a:xfrm>
-            <a:off x="1060372" y="2625179"/>
+            <a:off x="1238817" y="2444227"/>
             <a:ext cx="10290116" cy="3756663"/>
           </a:xfrm>
           <a:prstGeom prst="rect">
@@ -24732,21 +24732,12 @@
 </file>
 
 <file path=customXml/item1.xml><?xml version="1.0" encoding="utf-8"?>
-<?mso-contentType ?>
-<FormTemplates xmlns="http://schemas.microsoft.com/sharepoint/v3/contenttype/forms">
-  <Display>DocumentLibraryForm</Display>
-  <Edit>DocumentLibraryForm</Edit>
-  <New>DocumentLibraryForm</New>
-</FormTemplates>
-</file>
-
-<file path=customXml/item2.xml><?xml version="1.0" encoding="utf-8"?>
 <p:properties xmlns:p="http://schemas.microsoft.com/office/2006/metadata/properties" xmlns:xsi="http://www.w3.org/2001/XMLSchema-instance" xmlns:pc="http://schemas.microsoft.com/office/infopath/2007/PartnerControls">
   <documentManagement/>
 </p:properties>
 </file>
 
-<file path=customXml/item3.xml><?xml version="1.0" encoding="utf-8"?>
+<file path=customXml/item2.xml><?xml version="1.0" encoding="utf-8"?>
 <ct:contentTypeSchema xmlns:ct="http://schemas.microsoft.com/office/2006/metadata/contentType" xmlns:ma="http://schemas.microsoft.com/office/2006/metadata/properties/metaAttributes" ct:_="" ma:_="" ma:contentTypeName="Document" ma:contentTypeID="0x0101000937CBA2829AB54C847AA138BDB6DD62" ma:contentTypeVersion="6" ma:contentTypeDescription="Create a new document." ma:contentTypeScope="" ma:versionID="0f7e39fa3406a6f330081ac46f53a9d2">
   <xsd:schema xmlns:xsd="http://www.w3.org/2001/XMLSchema" xmlns:xs="http://www.w3.org/2001/XMLSchema" xmlns:p="http://schemas.microsoft.com/office/2006/metadata/properties" xmlns:ns2="ef38329b-e139-4eb4-9d7a-1b84c79a6610" targetNamespace="http://schemas.microsoft.com/office/2006/metadata/properties" ma:root="true" ma:fieldsID="c5e10262f8d934c139771ac03f38712c" ns2:_="">
     <xsd:import namespace="ef38329b-e139-4eb4-9d7a-1b84c79a6610"/>
@@ -24898,15 +24889,16 @@
 </ct:contentTypeSchema>
 </file>
 
-<file path=customXml/itemProps1.xml><?xml version="1.0" encoding="utf-8"?>
-<ds:datastoreItem xmlns:ds="http://schemas.openxmlformats.org/officeDocument/2006/customXml" ds:itemID="{758FDAC0-319D-4A54-8D8E-1D42CB1F8004}">
-  <ds:schemaRefs>
-    <ds:schemaRef ds:uri="http://schemas.microsoft.com/sharepoint/v3/contenttype/forms"/>
-  </ds:schemaRefs>
-</ds:datastoreItem>
+<file path=customXml/item3.xml><?xml version="1.0" encoding="utf-8"?>
+<?mso-contentType ?>
+<FormTemplates xmlns="http://schemas.microsoft.com/sharepoint/v3/contenttype/forms">
+  <Display>DocumentLibraryForm</Display>
+  <Edit>DocumentLibraryForm</Edit>
+  <New>DocumentLibraryForm</New>
+</FormTemplates>
 </file>
 
-<file path=customXml/itemProps2.xml><?xml version="1.0" encoding="utf-8"?>
+<file path=customXml/itemProps1.xml><?xml version="1.0" encoding="utf-8"?>
 <ds:datastoreItem xmlns:ds="http://schemas.openxmlformats.org/officeDocument/2006/customXml" ds:itemID="{F990F116-B58F-4255-B05B-DA3808E0E5C6}">
   <ds:schemaRefs>
     <ds:schemaRef ds:uri="http://schemas.openxmlformats.org/package/2006/metadata/core-properties"/>
@@ -24922,7 +24914,7 @@
 </ds:datastoreItem>
 </file>
 
-<file path=customXml/itemProps3.xml><?xml version="1.0" encoding="utf-8"?>
+<file path=customXml/itemProps2.xml><?xml version="1.0" encoding="utf-8"?>
 <ds:datastoreItem xmlns:ds="http://schemas.openxmlformats.org/officeDocument/2006/customXml" ds:itemID="{A4052A8C-2220-4E4B-95E2-C05C9863F10E}">
   <ds:schemaRefs>
     <ds:schemaRef ds:uri="ef38329b-e139-4eb4-9d7a-1b84c79a6610"/>
@@ -24940,6 +24932,14 @@
 </ds:datastoreItem>
 </file>
 
+<file path=customXml/itemProps3.xml><?xml version="1.0" encoding="utf-8"?>
+<ds:datastoreItem xmlns:ds="http://schemas.openxmlformats.org/officeDocument/2006/customXml" ds:itemID="{758FDAC0-319D-4A54-8D8E-1D42CB1F8004}">
+  <ds:schemaRefs>
+    <ds:schemaRef ds:uri="http://schemas.microsoft.com/sharepoint/v3/contenttype/forms"/>
+  </ds:schemaRefs>
+</ds:datastoreItem>
+</file>
+
 <file path=docMetadata/LabelInfo.xml><?xml version="1.0" encoding="utf-8"?>
 <clbl:labelList xmlns:clbl="http://schemas.microsoft.com/office/2020/mipLabelMetadata">
   <clbl:label id="{1a19d03a-48bc-4359-8038-5b5f6d5847c3}" enabled="1" method="Privileged" siteId="{72f988bf-86f1-41af-91ab-2d7cd011db47}" removed="0"/>
